--- a/Retrospective/Sprint 4 - Retrospective.pptx
+++ b/Retrospective/Sprint 4 - Retrospective.pptx
@@ -186,7 +186,7 @@
           <a:noFill/>
           <a:extLst>
             <a:ext uri="{909E8E84-426E-40dd-AFC4-6F175D3DCCD1}">
-              <a14:hiddenFill xmlns:a14="http://schemas.microsoft.com/office/drawing/2010/main" xmlns="">
+              <a14:hiddenFill xmlns="" xmlns:a14="http://schemas.microsoft.com/office/drawing/2010/main">
                 <a:solidFill>
                   <a:srgbClr val="FFFFFF"/>
                 </a:solidFill>
@@ -245,7 +245,7 @@
             </a:ln>
             <a:extLst>
               <a:ext uri="{91240B29-F687-4f45-9708-019B960494DF}">
-                <a14:hiddenLine xmlns:a14="http://schemas.microsoft.com/office/drawing/2010/main" xmlns="" w="9525">
+                <a14:hiddenLine xmlns="" xmlns:a14="http://schemas.microsoft.com/office/drawing/2010/main" w="9525">
                   <a:solidFill>
                     <a:srgbClr val="000000"/>
                   </a:solidFill>
@@ -335,7 +335,7 @@
             </a:ln>
             <a:extLst>
               <a:ext uri="{91240B29-F687-4f45-9708-019B960494DF}">
-                <a14:hiddenLine xmlns:a14="http://schemas.microsoft.com/office/drawing/2010/main" xmlns="" w="9525">
+                <a14:hiddenLine xmlns="" xmlns:a14="http://schemas.microsoft.com/office/drawing/2010/main" w="9525">
                   <a:solidFill>
                     <a:srgbClr val="000000"/>
                   </a:solidFill>
@@ -425,7 +425,7 @@
             </a:ln>
             <a:extLst>
               <a:ext uri="{91240B29-F687-4f45-9708-019B960494DF}">
-                <a14:hiddenLine xmlns:a14="http://schemas.microsoft.com/office/drawing/2010/main" xmlns="" w="9525">
+                <a14:hiddenLine xmlns="" xmlns:a14="http://schemas.microsoft.com/office/drawing/2010/main" w="9525">
                   <a:solidFill>
                     <a:srgbClr val="000000"/>
                   </a:solidFill>
@@ -459,7 +459,7 @@
             </a:ln>
             <a:extLst>
               <a:ext uri="{91240B29-F687-4f45-9708-019B960494DF}">
-                <a14:hiddenLine xmlns:a14="http://schemas.microsoft.com/office/drawing/2010/main" xmlns="" w="9525">
+                <a14:hiddenLine xmlns="" xmlns:a14="http://schemas.microsoft.com/office/drawing/2010/main" w="9525">
                   <a:solidFill>
                     <a:srgbClr val="000000"/>
                   </a:solidFill>
@@ -549,7 +549,7 @@
             </a:ln>
             <a:extLst>
               <a:ext uri="{91240B29-F687-4f45-9708-019B960494DF}">
-                <a14:hiddenLine xmlns:a14="http://schemas.microsoft.com/office/drawing/2010/main" xmlns="" w="9525">
+                <a14:hiddenLine xmlns="" xmlns:a14="http://schemas.microsoft.com/office/drawing/2010/main" w="9525">
                   <a:solidFill>
                     <a:srgbClr val="000000"/>
                   </a:solidFill>
@@ -611,7 +611,7 @@
             </a:ln>
             <a:extLst>
               <a:ext uri="{91240B29-F687-4f45-9708-019B960494DF}">
-                <a14:hiddenLine xmlns:a14="http://schemas.microsoft.com/office/drawing/2010/main" xmlns="" w="9525">
+                <a14:hiddenLine xmlns="" xmlns:a14="http://schemas.microsoft.com/office/drawing/2010/main" w="9525">
                   <a:solidFill>
                     <a:srgbClr val="000000"/>
                   </a:solidFill>
@@ -673,7 +673,7 @@
             </a:ln>
             <a:extLst>
               <a:ext uri="{91240B29-F687-4f45-9708-019B960494DF}">
-                <a14:hiddenLine xmlns:a14="http://schemas.microsoft.com/office/drawing/2010/main" xmlns="" w="9525">
+                <a14:hiddenLine xmlns="" xmlns:a14="http://schemas.microsoft.com/office/drawing/2010/main" w="9525">
                   <a:solidFill>
                     <a:srgbClr val="000000"/>
                   </a:solidFill>
@@ -763,7 +763,7 @@
             </a:ln>
             <a:extLst>
               <a:ext uri="{91240B29-F687-4f45-9708-019B960494DF}">
-                <a14:hiddenLine xmlns:a14="http://schemas.microsoft.com/office/drawing/2010/main" xmlns="" w="9525">
+                <a14:hiddenLine xmlns="" xmlns:a14="http://schemas.microsoft.com/office/drawing/2010/main" w="9525">
                   <a:solidFill>
                     <a:srgbClr val="000000"/>
                   </a:solidFill>
@@ -825,7 +825,7 @@
             </a:ln>
             <a:extLst>
               <a:ext uri="{91240B29-F687-4f45-9708-019B960494DF}">
-                <a14:hiddenLine xmlns:a14="http://schemas.microsoft.com/office/drawing/2010/main" xmlns="" w="9525">
+                <a14:hiddenLine xmlns="" xmlns:a14="http://schemas.microsoft.com/office/drawing/2010/main" w="9525">
                   <a:solidFill>
                     <a:srgbClr val="000000"/>
                   </a:solidFill>
@@ -887,7 +887,7 @@
             </a:ln>
             <a:extLst>
               <a:ext uri="{91240B29-F687-4f45-9708-019B960494DF}">
-                <a14:hiddenLine xmlns:a14="http://schemas.microsoft.com/office/drawing/2010/main" xmlns="" w="9525">
+                <a14:hiddenLine xmlns="" xmlns:a14="http://schemas.microsoft.com/office/drawing/2010/main" w="9525">
                   <a:solidFill>
                     <a:srgbClr val="000000"/>
                   </a:solidFill>
@@ -977,7 +977,7 @@
             </a:ln>
             <a:extLst>
               <a:ext uri="{91240B29-F687-4f45-9708-019B960494DF}">
-                <a14:hiddenLine xmlns:a14="http://schemas.microsoft.com/office/drawing/2010/main" xmlns="" w="9525">
+                <a14:hiddenLine xmlns="" xmlns:a14="http://schemas.microsoft.com/office/drawing/2010/main" w="9525">
                   <a:solidFill>
                     <a:srgbClr val="000000"/>
                   </a:solidFill>
@@ -1067,7 +1067,7 @@
             </a:ln>
             <a:extLst>
               <a:ext uri="{91240B29-F687-4f45-9708-019B960494DF}">
-                <a14:hiddenLine xmlns:a14="http://schemas.microsoft.com/office/drawing/2010/main" xmlns="" w="9525">
+                <a14:hiddenLine xmlns="" xmlns:a14="http://schemas.microsoft.com/office/drawing/2010/main" w="9525">
                   <a:solidFill>
                     <a:srgbClr val="000000"/>
                   </a:solidFill>
@@ -1129,7 +1129,7 @@
             </a:ln>
             <a:extLst>
               <a:ext uri="{91240B29-F687-4f45-9708-019B960494DF}">
-                <a14:hiddenLine xmlns:a14="http://schemas.microsoft.com/office/drawing/2010/main" xmlns="" w="9525">
+                <a14:hiddenLine xmlns="" xmlns:a14="http://schemas.microsoft.com/office/drawing/2010/main" w="9525">
                   <a:solidFill>
                     <a:srgbClr val="000000"/>
                   </a:solidFill>
@@ -1239,7 +1239,7 @@
             </a:ln>
             <a:extLst>
               <a:ext uri="{91240B29-F687-4f45-9708-019B960494DF}">
-                <a14:hiddenLine xmlns:a14="http://schemas.microsoft.com/office/drawing/2010/main" xmlns="" w="9525">
+                <a14:hiddenLine xmlns="" xmlns:a14="http://schemas.microsoft.com/office/drawing/2010/main" w="9525">
                   <a:solidFill>
                     <a:srgbClr val="000000"/>
                   </a:solidFill>
@@ -1301,7 +1301,7 @@
             </a:ln>
             <a:extLst>
               <a:ext uri="{91240B29-F687-4f45-9708-019B960494DF}">
-                <a14:hiddenLine xmlns:a14="http://schemas.microsoft.com/office/drawing/2010/main" xmlns="" w="9525">
+                <a14:hiddenLine xmlns="" xmlns:a14="http://schemas.microsoft.com/office/drawing/2010/main" w="9525">
                   <a:solidFill>
                     <a:srgbClr val="000000"/>
                   </a:solidFill>
@@ -1391,7 +1391,7 @@
             </a:ln>
             <a:extLst>
               <a:ext uri="{91240B29-F687-4f45-9708-019B960494DF}">
-                <a14:hiddenLine xmlns:a14="http://schemas.microsoft.com/office/drawing/2010/main" xmlns="" w="9525">
+                <a14:hiddenLine xmlns="" xmlns:a14="http://schemas.microsoft.com/office/drawing/2010/main" w="9525">
                   <a:solidFill>
                     <a:srgbClr val="000000"/>
                   </a:solidFill>
@@ -1481,7 +1481,7 @@
             </a:ln>
             <a:extLst>
               <a:ext uri="{91240B29-F687-4f45-9708-019B960494DF}">
-                <a14:hiddenLine xmlns:a14="http://schemas.microsoft.com/office/drawing/2010/main" xmlns="" w="9525">
+                <a14:hiddenLine xmlns="" xmlns:a14="http://schemas.microsoft.com/office/drawing/2010/main" w="9525">
                   <a:solidFill>
                     <a:srgbClr val="000000"/>
                   </a:solidFill>
@@ -1543,7 +1543,7 @@
             </a:ln>
             <a:extLst>
               <a:ext uri="{91240B29-F687-4f45-9708-019B960494DF}">
-                <a14:hiddenLine xmlns:a14="http://schemas.microsoft.com/office/drawing/2010/main" xmlns="" w="9525">
+                <a14:hiddenLine xmlns="" xmlns:a14="http://schemas.microsoft.com/office/drawing/2010/main" w="9525">
                   <a:solidFill>
                     <a:srgbClr val="000000"/>
                   </a:solidFill>
@@ -1633,7 +1633,7 @@
             </a:ln>
             <a:extLst>
               <a:ext uri="{91240B29-F687-4f45-9708-019B960494DF}">
-                <a14:hiddenLine xmlns:a14="http://schemas.microsoft.com/office/drawing/2010/main" xmlns="" w="9525">
+                <a14:hiddenLine xmlns="" xmlns:a14="http://schemas.microsoft.com/office/drawing/2010/main" w="9525">
                   <a:solidFill>
                     <a:srgbClr val="000000"/>
                   </a:solidFill>
@@ -1723,7 +1723,7 @@
             </a:ln>
             <a:extLst>
               <a:ext uri="{91240B29-F687-4f45-9708-019B960494DF}">
-                <a14:hiddenLine xmlns:a14="http://schemas.microsoft.com/office/drawing/2010/main" xmlns="" w="9525">
+                <a14:hiddenLine xmlns="" xmlns:a14="http://schemas.microsoft.com/office/drawing/2010/main" w="9525">
                   <a:solidFill>
                     <a:srgbClr val="000000"/>
                   </a:solidFill>
@@ -1779,7 +1779,7 @@
             </a:ln>
             <a:extLst>
               <a:ext uri="{91240B29-F687-4f45-9708-019B960494DF}">
-                <a14:hiddenLine xmlns:a14="http://schemas.microsoft.com/office/drawing/2010/main" xmlns="" w="9525">
+                <a14:hiddenLine xmlns="" xmlns:a14="http://schemas.microsoft.com/office/drawing/2010/main" w="9525">
                   <a:solidFill>
                     <a:srgbClr val="000000"/>
                   </a:solidFill>
@@ -1869,7 +1869,7 @@
             </a:ln>
             <a:extLst>
               <a:ext uri="{91240B29-F687-4f45-9708-019B960494DF}">
-                <a14:hiddenLine xmlns:a14="http://schemas.microsoft.com/office/drawing/2010/main" xmlns="" w="9525">
+                <a14:hiddenLine xmlns="" xmlns:a14="http://schemas.microsoft.com/office/drawing/2010/main" w="9525">
                   <a:solidFill>
                     <a:srgbClr val="000000"/>
                   </a:solidFill>
@@ -1925,7 +1925,7 @@
             </a:ln>
             <a:extLst>
               <a:ext uri="{91240B29-F687-4f45-9708-019B960494DF}">
-                <a14:hiddenLine xmlns:a14="http://schemas.microsoft.com/office/drawing/2010/main" xmlns="" w="9525">
+                <a14:hiddenLine xmlns="" xmlns:a14="http://schemas.microsoft.com/office/drawing/2010/main" w="9525">
                   <a:solidFill>
                     <a:srgbClr val="000000"/>
                   </a:solidFill>
@@ -2015,7 +2015,7 @@
             </a:ln>
             <a:extLst>
               <a:ext uri="{91240B29-F687-4f45-9708-019B960494DF}">
-                <a14:hiddenLine xmlns:a14="http://schemas.microsoft.com/office/drawing/2010/main" xmlns="" w="9525">
+                <a14:hiddenLine xmlns="" xmlns:a14="http://schemas.microsoft.com/office/drawing/2010/main" w="9525">
                   <a:solidFill>
                     <a:srgbClr val="000000"/>
                   </a:solidFill>
@@ -2083,7 +2083,7 @@
             </a:ln>
             <a:extLst>
               <a:ext uri="{91240B29-F687-4f45-9708-019B960494DF}">
-                <a14:hiddenLine xmlns:a14="http://schemas.microsoft.com/office/drawing/2010/main" xmlns="" w="9525">
+                <a14:hiddenLine xmlns="" xmlns:a14="http://schemas.microsoft.com/office/drawing/2010/main" w="9525">
                   <a:solidFill>
                     <a:srgbClr val="000000"/>
                   </a:solidFill>
@@ -2173,7 +2173,7 @@
             </a:ln>
             <a:extLst>
               <a:ext uri="{91240B29-F687-4f45-9708-019B960494DF}">
-                <a14:hiddenLine xmlns:a14="http://schemas.microsoft.com/office/drawing/2010/main" xmlns="" w="9525">
+                <a14:hiddenLine xmlns="" xmlns:a14="http://schemas.microsoft.com/office/drawing/2010/main" w="9525">
                   <a:solidFill>
                     <a:srgbClr val="000000"/>
                   </a:solidFill>
@@ -2241,7 +2241,7 @@
             </a:ln>
             <a:extLst>
               <a:ext uri="{91240B29-F687-4f45-9708-019B960494DF}">
-                <a14:hiddenLine xmlns:a14="http://schemas.microsoft.com/office/drawing/2010/main" xmlns="" w="9525">
+                <a14:hiddenLine xmlns="" xmlns:a14="http://schemas.microsoft.com/office/drawing/2010/main" w="9525">
                   <a:solidFill>
                     <a:srgbClr val="000000"/>
                   </a:solidFill>
@@ -2331,7 +2331,7 @@
             </a:ln>
             <a:extLst>
               <a:ext uri="{91240B29-F687-4f45-9708-019B960494DF}">
-                <a14:hiddenLine xmlns:a14="http://schemas.microsoft.com/office/drawing/2010/main" xmlns="" w="9525">
+                <a14:hiddenLine xmlns="" xmlns:a14="http://schemas.microsoft.com/office/drawing/2010/main" w="9525">
                   <a:solidFill>
                     <a:srgbClr val="000000"/>
                   </a:solidFill>
@@ -2365,7 +2365,7 @@
             </a:ln>
             <a:extLst>
               <a:ext uri="{91240B29-F687-4f45-9708-019B960494DF}">
-                <a14:hiddenLine xmlns:a14="http://schemas.microsoft.com/office/drawing/2010/main" xmlns="" w="9525">
+                <a14:hiddenLine xmlns="" xmlns:a14="http://schemas.microsoft.com/office/drawing/2010/main" w="9525">
                   <a:solidFill>
                     <a:srgbClr val="000000"/>
                   </a:solidFill>
@@ -2455,7 +2455,7 @@
             </a:ln>
             <a:extLst>
               <a:ext uri="{91240B29-F687-4f45-9708-019B960494DF}">
-                <a14:hiddenLine xmlns:a14="http://schemas.microsoft.com/office/drawing/2010/main" xmlns="" w="9525">
+                <a14:hiddenLine xmlns="" xmlns:a14="http://schemas.microsoft.com/office/drawing/2010/main" w="9525">
                   <a:solidFill>
                     <a:srgbClr val="000000"/>
                   </a:solidFill>
@@ -2517,7 +2517,7 @@
             </a:ln>
             <a:extLst>
               <a:ext uri="{91240B29-F687-4f45-9708-019B960494DF}">
-                <a14:hiddenLine xmlns:a14="http://schemas.microsoft.com/office/drawing/2010/main" xmlns="" w="9525">
+                <a14:hiddenLine xmlns="" xmlns:a14="http://schemas.microsoft.com/office/drawing/2010/main" w="9525">
                   <a:solidFill>
                     <a:srgbClr val="000000"/>
                   </a:solidFill>
@@ -2579,7 +2579,7 @@
             </a:ln>
             <a:extLst>
               <a:ext uri="{91240B29-F687-4f45-9708-019B960494DF}">
-                <a14:hiddenLine xmlns:a14="http://schemas.microsoft.com/office/drawing/2010/main" xmlns="" w="9525">
+                <a14:hiddenLine xmlns="" xmlns:a14="http://schemas.microsoft.com/office/drawing/2010/main" w="9525">
                   <a:solidFill>
                     <a:srgbClr val="000000"/>
                   </a:solidFill>
@@ -2669,7 +2669,7 @@
             </a:ln>
             <a:extLst>
               <a:ext uri="{91240B29-F687-4f45-9708-019B960494DF}">
-                <a14:hiddenLine xmlns:a14="http://schemas.microsoft.com/office/drawing/2010/main" xmlns="" w="9525">
+                <a14:hiddenLine xmlns="" xmlns:a14="http://schemas.microsoft.com/office/drawing/2010/main" w="9525">
                   <a:solidFill>
                     <a:srgbClr val="000000"/>
                   </a:solidFill>
@@ -2737,7 +2737,7 @@
             </a:ln>
             <a:extLst>
               <a:ext uri="{91240B29-F687-4f45-9708-019B960494DF}">
-                <a14:hiddenLine xmlns:a14="http://schemas.microsoft.com/office/drawing/2010/main" xmlns="" w="9525">
+                <a14:hiddenLine xmlns="" xmlns:a14="http://schemas.microsoft.com/office/drawing/2010/main" w="9525">
                   <a:solidFill>
                     <a:srgbClr val="000000"/>
                   </a:solidFill>
@@ -2799,7 +2799,7 @@
             </a:ln>
             <a:extLst>
               <a:ext uri="{91240B29-F687-4f45-9708-019B960494DF}">
-                <a14:hiddenLine xmlns:a14="http://schemas.microsoft.com/office/drawing/2010/main" xmlns="" w="9525">
+                <a14:hiddenLine xmlns="" xmlns:a14="http://schemas.microsoft.com/office/drawing/2010/main" w="9525">
                   <a:solidFill>
                     <a:srgbClr val="000000"/>
                   </a:solidFill>
@@ -2889,7 +2889,7 @@
             </a:ln>
             <a:extLst>
               <a:ext uri="{91240B29-F687-4f45-9708-019B960494DF}">
-                <a14:hiddenLine xmlns:a14="http://schemas.microsoft.com/office/drawing/2010/main" xmlns="" w="9525">
+                <a14:hiddenLine xmlns="" xmlns:a14="http://schemas.microsoft.com/office/drawing/2010/main" w="9525">
                   <a:solidFill>
                     <a:srgbClr val="000000"/>
                   </a:solidFill>
@@ -2951,7 +2951,7 @@
             </a:ln>
             <a:extLst>
               <a:ext uri="{91240B29-F687-4f45-9708-019B960494DF}">
-                <a14:hiddenLine xmlns:a14="http://schemas.microsoft.com/office/drawing/2010/main" xmlns="" w="9525">
+                <a14:hiddenLine xmlns="" xmlns:a14="http://schemas.microsoft.com/office/drawing/2010/main" w="9525">
                   <a:solidFill>
                     <a:srgbClr val="000000"/>
                   </a:solidFill>
@@ -3041,7 +3041,7 @@
             </a:ln>
             <a:extLst>
               <a:ext uri="{91240B29-F687-4f45-9708-019B960494DF}">
-                <a14:hiddenLine xmlns:a14="http://schemas.microsoft.com/office/drawing/2010/main" xmlns="" w="9525">
+                <a14:hiddenLine xmlns="" xmlns:a14="http://schemas.microsoft.com/office/drawing/2010/main" w="9525">
                   <a:solidFill>
                     <a:srgbClr val="000000"/>
                   </a:solidFill>
@@ -3103,7 +3103,7 @@
             </a:ln>
             <a:extLst>
               <a:ext uri="{91240B29-F687-4f45-9708-019B960494DF}">
-                <a14:hiddenLine xmlns:a14="http://schemas.microsoft.com/office/drawing/2010/main" xmlns="" w="9525">
+                <a14:hiddenLine xmlns="" xmlns:a14="http://schemas.microsoft.com/office/drawing/2010/main" w="9525">
                   <a:solidFill>
                     <a:srgbClr val="000000"/>
                   </a:solidFill>
@@ -3193,7 +3193,7 @@
             </a:ln>
             <a:extLst>
               <a:ext uri="{91240B29-F687-4f45-9708-019B960494DF}">
-                <a14:hiddenLine xmlns:a14="http://schemas.microsoft.com/office/drawing/2010/main" xmlns="" w="9525">
+                <a14:hiddenLine xmlns="" xmlns:a14="http://schemas.microsoft.com/office/drawing/2010/main" w="9525">
                   <a:solidFill>
                     <a:srgbClr val="000000"/>
                   </a:solidFill>
@@ -3227,7 +3227,7 @@
             </a:ln>
             <a:extLst>
               <a:ext uri="{91240B29-F687-4f45-9708-019B960494DF}">
-                <a14:hiddenLine xmlns:a14="http://schemas.microsoft.com/office/drawing/2010/main" xmlns="" w="9525">
+                <a14:hiddenLine xmlns="" xmlns:a14="http://schemas.microsoft.com/office/drawing/2010/main" w="9525">
                   <a:solidFill>
                     <a:srgbClr val="000000"/>
                   </a:solidFill>
@@ -3292,7 +3292,7 @@
             </a:ln>
             <a:extLst>
               <a:ext uri="{91240B29-F687-4f45-9708-019B960494DF}">
-                <a14:hiddenLine xmlns:a14="http://schemas.microsoft.com/office/drawing/2010/main" xmlns="" w="9525">
+                <a14:hiddenLine xmlns="" xmlns:a14="http://schemas.microsoft.com/office/drawing/2010/main" w="9525">
                   <a:solidFill>
                     <a:srgbClr val="000000"/>
                   </a:solidFill>
@@ -3382,7 +3382,7 @@
             </a:ln>
             <a:extLst>
               <a:ext uri="{91240B29-F687-4f45-9708-019B960494DF}">
-                <a14:hiddenLine xmlns:a14="http://schemas.microsoft.com/office/drawing/2010/main" xmlns="" w="9525">
+                <a14:hiddenLine xmlns="" xmlns:a14="http://schemas.microsoft.com/office/drawing/2010/main" w="9525">
                   <a:solidFill>
                     <a:srgbClr val="000000"/>
                   </a:solidFill>
@@ -3444,7 +3444,7 @@
             </a:ln>
             <a:extLst>
               <a:ext uri="{91240B29-F687-4f45-9708-019B960494DF}">
-                <a14:hiddenLine xmlns:a14="http://schemas.microsoft.com/office/drawing/2010/main" xmlns="" w="9525">
+                <a14:hiddenLine xmlns="" xmlns:a14="http://schemas.microsoft.com/office/drawing/2010/main" w="9525">
                   <a:solidFill>
                     <a:srgbClr val="000000"/>
                   </a:solidFill>
@@ -3534,7 +3534,7 @@
             </a:ln>
             <a:extLst>
               <a:ext uri="{91240B29-F687-4f45-9708-019B960494DF}">
-                <a14:hiddenLine xmlns:a14="http://schemas.microsoft.com/office/drawing/2010/main" xmlns="" w="9525">
+                <a14:hiddenLine xmlns="" xmlns:a14="http://schemas.microsoft.com/office/drawing/2010/main" w="9525">
                   <a:solidFill>
                     <a:srgbClr val="000000"/>
                   </a:solidFill>
@@ -3624,7 +3624,7 @@
             </a:ln>
             <a:extLst>
               <a:ext uri="{91240B29-F687-4f45-9708-019B960494DF}">
-                <a14:hiddenLine xmlns:a14="http://schemas.microsoft.com/office/drawing/2010/main" xmlns="" w="9525">
+                <a14:hiddenLine xmlns="" xmlns:a14="http://schemas.microsoft.com/office/drawing/2010/main" w="9525">
                   <a:solidFill>
                     <a:srgbClr val="000000"/>
                   </a:solidFill>
@@ -3689,7 +3689,7 @@
             </a:ln>
             <a:extLst>
               <a:ext uri="{91240B29-F687-4f45-9708-019B960494DF}">
-                <a14:hiddenLine xmlns:a14="http://schemas.microsoft.com/office/drawing/2010/main" xmlns="" w="9525">
+                <a14:hiddenLine xmlns="" xmlns:a14="http://schemas.microsoft.com/office/drawing/2010/main" w="9525">
                   <a:solidFill>
                     <a:srgbClr val="000000"/>
                   </a:solidFill>
@@ -3751,7 +3751,7 @@
             </a:ln>
             <a:extLst>
               <a:ext uri="{91240B29-F687-4f45-9708-019B960494DF}">
-                <a14:hiddenLine xmlns:a14="http://schemas.microsoft.com/office/drawing/2010/main" xmlns="" w="9525">
+                <a14:hiddenLine xmlns="" xmlns:a14="http://schemas.microsoft.com/office/drawing/2010/main" w="9525">
                   <a:solidFill>
                     <a:srgbClr val="000000"/>
                   </a:solidFill>
@@ -3841,7 +3841,7 @@
             </a:ln>
             <a:extLst>
               <a:ext uri="{91240B29-F687-4f45-9708-019B960494DF}">
-                <a14:hiddenLine xmlns:a14="http://schemas.microsoft.com/office/drawing/2010/main" xmlns="" w="9525">
+                <a14:hiddenLine xmlns="" xmlns:a14="http://schemas.microsoft.com/office/drawing/2010/main" w="9525">
                   <a:solidFill>
                     <a:srgbClr val="000000"/>
                   </a:solidFill>
@@ -3931,7 +3931,7 @@
             </a:ln>
             <a:extLst>
               <a:ext uri="{91240B29-F687-4f45-9708-019B960494DF}">
-                <a14:hiddenLine xmlns:a14="http://schemas.microsoft.com/office/drawing/2010/main" xmlns="" w="9525">
+                <a14:hiddenLine xmlns="" xmlns:a14="http://schemas.microsoft.com/office/drawing/2010/main" w="9525">
                   <a:solidFill>
                     <a:srgbClr val="000000"/>
                   </a:solidFill>
@@ -3993,7 +3993,7 @@
             </a:ln>
             <a:extLst>
               <a:ext uri="{91240B29-F687-4f45-9708-019B960494DF}">
-                <a14:hiddenLine xmlns:a14="http://schemas.microsoft.com/office/drawing/2010/main" xmlns="" w="9525">
+                <a14:hiddenLine xmlns="" xmlns:a14="http://schemas.microsoft.com/office/drawing/2010/main" w="9525">
                   <a:solidFill>
                     <a:srgbClr val="000000"/>
                   </a:solidFill>
@@ -4113,7 +4113,7 @@
             </a:ln>
             <a:extLst>
               <a:ext uri="{91240B29-F687-4f45-9708-019B960494DF}">
-                <a14:hiddenLine xmlns:a14="http://schemas.microsoft.com/office/drawing/2010/main" xmlns="" w="9525">
+                <a14:hiddenLine xmlns="" xmlns:a14="http://schemas.microsoft.com/office/drawing/2010/main" w="9525">
                   <a:solidFill>
                     <a:srgbClr val="000000"/>
                   </a:solidFill>
@@ -4181,7 +4181,7 @@
             </a:ln>
             <a:extLst>
               <a:ext uri="{91240B29-F687-4f45-9708-019B960494DF}">
-                <a14:hiddenLine xmlns:a14="http://schemas.microsoft.com/office/drawing/2010/main" xmlns="" w="9525">
+                <a14:hiddenLine xmlns="" xmlns:a14="http://schemas.microsoft.com/office/drawing/2010/main" w="9525">
                   <a:solidFill>
                     <a:srgbClr val="000000"/>
                   </a:solidFill>
@@ -4271,7 +4271,7 @@
             </a:ln>
             <a:extLst>
               <a:ext uri="{91240B29-F687-4f45-9708-019B960494DF}">
-                <a14:hiddenLine xmlns:a14="http://schemas.microsoft.com/office/drawing/2010/main" xmlns="" w="9525">
+                <a14:hiddenLine xmlns="" xmlns:a14="http://schemas.microsoft.com/office/drawing/2010/main" w="9525">
                   <a:solidFill>
                     <a:srgbClr val="000000"/>
                   </a:solidFill>
@@ -9000,7 +9000,7 @@
           <a:noFill/>
           <a:extLst>
             <a:ext uri="{909E8E84-426E-40dd-AFC4-6F175D3DCCD1}">
-              <a14:hiddenFill xmlns:a14="http://schemas.microsoft.com/office/drawing/2010/main" xmlns="">
+              <a14:hiddenFill xmlns="" xmlns:a14="http://schemas.microsoft.com/office/drawing/2010/main">
                 <a:solidFill>
                   <a:srgbClr val="FFFFFF"/>
                 </a:solidFill>
@@ -9074,7 +9074,7 @@
               </a:ln>
               <a:extLst>
                 <a:ext uri="{91240B29-F687-4f45-9708-019B960494DF}">
-                  <a14:hiddenLine xmlns:a14="http://schemas.microsoft.com/office/drawing/2010/main" xmlns="" w="9525">
+                  <a14:hiddenLine xmlns="" xmlns:a14="http://schemas.microsoft.com/office/drawing/2010/main" w="9525">
                     <a:solidFill>
                       <a:srgbClr val="000000"/>
                     </a:solidFill>
@@ -9164,7 +9164,7 @@
               </a:ln>
               <a:extLst>
                 <a:ext uri="{91240B29-F687-4f45-9708-019B960494DF}">
-                  <a14:hiddenLine xmlns:a14="http://schemas.microsoft.com/office/drawing/2010/main" xmlns="" w="9525">
+                  <a14:hiddenLine xmlns="" xmlns:a14="http://schemas.microsoft.com/office/drawing/2010/main" w="9525">
                     <a:solidFill>
                       <a:srgbClr val="000000"/>
                     </a:solidFill>
@@ -9254,7 +9254,7 @@
               </a:ln>
               <a:extLst>
                 <a:ext uri="{91240B29-F687-4f45-9708-019B960494DF}">
-                  <a14:hiddenLine xmlns:a14="http://schemas.microsoft.com/office/drawing/2010/main" xmlns="" w="9525">
+                  <a14:hiddenLine xmlns="" xmlns:a14="http://schemas.microsoft.com/office/drawing/2010/main" w="9525">
                     <a:solidFill>
                       <a:srgbClr val="000000"/>
                     </a:solidFill>
@@ -9316,7 +9316,7 @@
               </a:ln>
               <a:extLst>
                 <a:ext uri="{91240B29-F687-4f45-9708-019B960494DF}">
-                  <a14:hiddenLine xmlns:a14="http://schemas.microsoft.com/office/drawing/2010/main" xmlns="" w="9525">
+                  <a14:hiddenLine xmlns="" xmlns:a14="http://schemas.microsoft.com/office/drawing/2010/main" w="9525">
                     <a:solidFill>
                       <a:srgbClr val="000000"/>
                     </a:solidFill>
@@ -9406,7 +9406,7 @@
               </a:ln>
               <a:extLst>
                 <a:ext uri="{91240B29-F687-4f45-9708-019B960494DF}">
-                  <a14:hiddenLine xmlns:a14="http://schemas.microsoft.com/office/drawing/2010/main" xmlns="" w="9525">
+                  <a14:hiddenLine xmlns="" xmlns:a14="http://schemas.microsoft.com/office/drawing/2010/main" w="9525">
                     <a:solidFill>
                       <a:srgbClr val="000000"/>
                     </a:solidFill>
@@ -9468,7 +9468,7 @@
               </a:ln>
               <a:extLst>
                 <a:ext uri="{91240B29-F687-4f45-9708-019B960494DF}">
-                  <a14:hiddenLine xmlns:a14="http://schemas.microsoft.com/office/drawing/2010/main" xmlns="" w="9525">
+                  <a14:hiddenLine xmlns="" xmlns:a14="http://schemas.microsoft.com/office/drawing/2010/main" w="9525">
                     <a:solidFill>
                       <a:srgbClr val="000000"/>
                     </a:solidFill>
@@ -9530,7 +9530,7 @@
               </a:ln>
               <a:extLst>
                 <a:ext uri="{91240B29-F687-4f45-9708-019B960494DF}">
-                  <a14:hiddenLine xmlns:a14="http://schemas.microsoft.com/office/drawing/2010/main" xmlns="" w="9525">
+                  <a14:hiddenLine xmlns="" xmlns:a14="http://schemas.microsoft.com/office/drawing/2010/main" w="9525">
                     <a:solidFill>
                       <a:srgbClr val="000000"/>
                     </a:solidFill>
@@ -9620,7 +9620,7 @@
               </a:ln>
               <a:extLst>
                 <a:ext uri="{91240B29-F687-4f45-9708-019B960494DF}">
-                  <a14:hiddenLine xmlns:a14="http://schemas.microsoft.com/office/drawing/2010/main" xmlns="" w="9525">
+                  <a14:hiddenLine xmlns="" xmlns:a14="http://schemas.microsoft.com/office/drawing/2010/main" w="9525">
                     <a:solidFill>
                       <a:srgbClr val="000000"/>
                     </a:solidFill>
@@ -9710,7 +9710,7 @@
               </a:ln>
               <a:extLst>
                 <a:ext uri="{91240B29-F687-4f45-9708-019B960494DF}">
-                  <a14:hiddenLine xmlns:a14="http://schemas.microsoft.com/office/drawing/2010/main" xmlns="" w="9525">
+                  <a14:hiddenLine xmlns="" xmlns:a14="http://schemas.microsoft.com/office/drawing/2010/main" w="9525">
                     <a:solidFill>
                       <a:srgbClr val="000000"/>
                     </a:solidFill>
@@ -9772,7 +9772,7 @@
               </a:ln>
               <a:extLst>
                 <a:ext uri="{91240B29-F687-4f45-9708-019B960494DF}">
-                  <a14:hiddenLine xmlns:a14="http://schemas.microsoft.com/office/drawing/2010/main" xmlns="" w="9525">
+                  <a14:hiddenLine xmlns="" xmlns:a14="http://schemas.microsoft.com/office/drawing/2010/main" w="9525">
                     <a:solidFill>
                       <a:srgbClr val="000000"/>
                     </a:solidFill>
@@ -9882,7 +9882,7 @@
               </a:ln>
               <a:extLst>
                 <a:ext uri="{91240B29-F687-4f45-9708-019B960494DF}">
-                  <a14:hiddenLine xmlns:a14="http://schemas.microsoft.com/office/drawing/2010/main" xmlns="" w="9525">
+                  <a14:hiddenLine xmlns="" xmlns:a14="http://schemas.microsoft.com/office/drawing/2010/main" w="9525">
                     <a:solidFill>
                       <a:srgbClr val="000000"/>
                     </a:solidFill>
@@ -9966,7 +9966,7 @@
               </a:ln>
               <a:extLst>
                 <a:ext uri="{91240B29-F687-4f45-9708-019B960494DF}">
-                  <a14:hiddenLine xmlns:a14="http://schemas.microsoft.com/office/drawing/2010/main" xmlns="" w="9525">
+                  <a14:hiddenLine xmlns="" xmlns:a14="http://schemas.microsoft.com/office/drawing/2010/main" w="9525">
                     <a:solidFill>
                       <a:srgbClr val="000000"/>
                     </a:solidFill>
@@ -10028,7 +10028,7 @@
               </a:ln>
               <a:extLst>
                 <a:ext uri="{91240B29-F687-4f45-9708-019B960494DF}">
-                  <a14:hiddenLine xmlns:a14="http://schemas.microsoft.com/office/drawing/2010/main" xmlns="" w="9525">
+                  <a14:hiddenLine xmlns="" xmlns:a14="http://schemas.microsoft.com/office/drawing/2010/main" w="9525">
                     <a:solidFill>
                       <a:srgbClr val="000000"/>
                     </a:solidFill>
@@ -10090,7 +10090,7 @@
               </a:ln>
               <a:extLst>
                 <a:ext uri="{91240B29-F687-4f45-9708-019B960494DF}">
-                  <a14:hiddenLine xmlns:a14="http://schemas.microsoft.com/office/drawing/2010/main" xmlns="" w="9525">
+                  <a14:hiddenLine xmlns="" xmlns:a14="http://schemas.microsoft.com/office/drawing/2010/main" w="9525">
                     <a:solidFill>
                       <a:srgbClr val="000000"/>
                     </a:solidFill>
@@ -10180,7 +10180,7 @@
               </a:ln>
               <a:extLst>
                 <a:ext uri="{91240B29-F687-4f45-9708-019B960494DF}">
-                  <a14:hiddenLine xmlns:a14="http://schemas.microsoft.com/office/drawing/2010/main" xmlns="" w="9525">
+                  <a14:hiddenLine xmlns="" xmlns:a14="http://schemas.microsoft.com/office/drawing/2010/main" w="9525">
                     <a:solidFill>
                       <a:srgbClr val="000000"/>
                     </a:solidFill>
@@ -10214,7 +10214,7 @@
               </a:ln>
               <a:extLst>
                 <a:ext uri="{91240B29-F687-4f45-9708-019B960494DF}">
-                  <a14:hiddenLine xmlns:a14="http://schemas.microsoft.com/office/drawing/2010/main" xmlns="" w="9525">
+                  <a14:hiddenLine xmlns="" xmlns:a14="http://schemas.microsoft.com/office/drawing/2010/main" w="9525">
                     <a:solidFill>
                       <a:srgbClr val="000000"/>
                     </a:solidFill>
@@ -10279,7 +10279,7 @@
               </a:ln>
               <a:extLst>
                 <a:ext uri="{91240B29-F687-4f45-9708-019B960494DF}">
-                  <a14:hiddenLine xmlns:a14="http://schemas.microsoft.com/office/drawing/2010/main" xmlns="" w="9525">
+                  <a14:hiddenLine xmlns="" xmlns:a14="http://schemas.microsoft.com/office/drawing/2010/main" w="9525">
                     <a:solidFill>
                       <a:srgbClr val="000000"/>
                     </a:solidFill>
@@ -10369,7 +10369,7 @@
               </a:ln>
               <a:extLst>
                 <a:ext uri="{91240B29-F687-4f45-9708-019B960494DF}">
-                  <a14:hiddenLine xmlns:a14="http://schemas.microsoft.com/office/drawing/2010/main" xmlns="" w="9525">
+                  <a14:hiddenLine xmlns="" xmlns:a14="http://schemas.microsoft.com/office/drawing/2010/main" w="9525">
                     <a:solidFill>
                       <a:srgbClr val="000000"/>
                     </a:solidFill>
@@ -10431,7 +10431,7 @@
               </a:ln>
               <a:extLst>
                 <a:ext uri="{91240B29-F687-4f45-9708-019B960494DF}">
-                  <a14:hiddenLine xmlns:a14="http://schemas.microsoft.com/office/drawing/2010/main" xmlns="" w="9525">
+                  <a14:hiddenLine xmlns="" xmlns:a14="http://schemas.microsoft.com/office/drawing/2010/main" w="9525">
                     <a:solidFill>
                       <a:srgbClr val="000000"/>
                     </a:solidFill>
@@ -10521,7 +10521,7 @@
               </a:ln>
               <a:extLst>
                 <a:ext uri="{91240B29-F687-4f45-9708-019B960494DF}">
-                  <a14:hiddenLine xmlns:a14="http://schemas.microsoft.com/office/drawing/2010/main" xmlns="" w="9525">
+                  <a14:hiddenLine xmlns="" xmlns:a14="http://schemas.microsoft.com/office/drawing/2010/main" w="9525">
                     <a:solidFill>
                       <a:srgbClr val="000000"/>
                     </a:solidFill>
@@ -10586,7 +10586,7 @@
               </a:ln>
               <a:extLst>
                 <a:ext uri="{91240B29-F687-4f45-9708-019B960494DF}">
-                  <a14:hiddenLine xmlns:a14="http://schemas.microsoft.com/office/drawing/2010/main" xmlns="" w="9525">
+                  <a14:hiddenLine xmlns="" xmlns:a14="http://schemas.microsoft.com/office/drawing/2010/main" w="9525">
                     <a:solidFill>
                       <a:srgbClr val="000000"/>
                     </a:solidFill>
@@ -10648,7 +10648,7 @@
               </a:ln>
               <a:extLst>
                 <a:ext uri="{91240B29-F687-4f45-9708-019B960494DF}">
-                  <a14:hiddenLine xmlns:a14="http://schemas.microsoft.com/office/drawing/2010/main" xmlns="" w="9525">
+                  <a14:hiddenLine xmlns="" xmlns:a14="http://schemas.microsoft.com/office/drawing/2010/main" w="9525">
                     <a:solidFill>
                       <a:srgbClr val="000000"/>
                     </a:solidFill>
@@ -10738,7 +10738,7 @@
               </a:ln>
               <a:extLst>
                 <a:ext uri="{91240B29-F687-4f45-9708-019B960494DF}">
-                  <a14:hiddenLine xmlns:a14="http://schemas.microsoft.com/office/drawing/2010/main" xmlns="" w="9525">
+                  <a14:hiddenLine xmlns="" xmlns:a14="http://schemas.microsoft.com/office/drawing/2010/main" w="9525">
                     <a:solidFill>
                       <a:srgbClr val="000000"/>
                     </a:solidFill>
@@ -10828,7 +10828,7 @@
               </a:ln>
               <a:extLst>
                 <a:ext uri="{91240B29-F687-4f45-9708-019B960494DF}">
-                  <a14:hiddenLine xmlns:a14="http://schemas.microsoft.com/office/drawing/2010/main" xmlns="" w="9525">
+                  <a14:hiddenLine xmlns="" xmlns:a14="http://schemas.microsoft.com/office/drawing/2010/main" w="9525">
                     <a:solidFill>
                       <a:srgbClr val="000000"/>
                     </a:solidFill>
@@ -10893,7 +10893,7 @@
               </a:ln>
               <a:extLst>
                 <a:ext uri="{91240B29-F687-4f45-9708-019B960494DF}">
-                  <a14:hiddenLine xmlns:a14="http://schemas.microsoft.com/office/drawing/2010/main" xmlns="" w="9525">
+                  <a14:hiddenLine xmlns="" xmlns:a14="http://schemas.microsoft.com/office/drawing/2010/main" w="9525">
                     <a:solidFill>
                       <a:srgbClr val="000000"/>
                     </a:solidFill>
@@ -11013,7 +11013,7 @@
               </a:ln>
               <a:extLst>
                 <a:ext uri="{91240B29-F687-4f45-9708-019B960494DF}">
-                  <a14:hiddenLine xmlns:a14="http://schemas.microsoft.com/office/drawing/2010/main" xmlns="" w="9525">
+                  <a14:hiddenLine xmlns="" xmlns:a14="http://schemas.microsoft.com/office/drawing/2010/main" w="9525">
                     <a:solidFill>
                       <a:srgbClr val="000000"/>
                     </a:solidFill>
@@ -11094,7 +11094,7 @@
               </a:ln>
               <a:extLst>
                 <a:ext uri="{91240B29-F687-4f45-9708-019B960494DF}">
-                  <a14:hiddenLine xmlns:a14="http://schemas.microsoft.com/office/drawing/2010/main" xmlns="" w="9525">
+                  <a14:hiddenLine xmlns="" xmlns:a14="http://schemas.microsoft.com/office/drawing/2010/main" w="9525">
                     <a:solidFill>
                       <a:srgbClr val="000000"/>
                     </a:solidFill>
@@ -11209,7 +11209,7 @@
               </a:ln>
               <a:extLst>
                 <a:ext uri="{91240B29-F687-4f45-9708-019B960494DF}">
-                  <a14:hiddenLine xmlns:a14="http://schemas.microsoft.com/office/drawing/2010/main" xmlns="" w="9525">
+                  <a14:hiddenLine xmlns="" xmlns:a14="http://schemas.microsoft.com/office/drawing/2010/main" w="9525">
                     <a:solidFill>
                       <a:srgbClr val="000000"/>
                     </a:solidFill>
@@ -11299,7 +11299,7 @@
               </a:ln>
               <a:extLst>
                 <a:ext uri="{91240B29-F687-4f45-9708-019B960494DF}">
-                  <a14:hiddenLine xmlns:a14="http://schemas.microsoft.com/office/drawing/2010/main" xmlns="" w="9525">
+                  <a14:hiddenLine xmlns="" xmlns:a14="http://schemas.microsoft.com/office/drawing/2010/main" w="9525">
                     <a:solidFill>
                       <a:srgbClr val="000000"/>
                     </a:solidFill>
@@ -11364,7 +11364,7 @@
               </a:ln>
               <a:extLst>
                 <a:ext uri="{91240B29-F687-4f45-9708-019B960494DF}">
-                  <a14:hiddenLine xmlns:a14="http://schemas.microsoft.com/office/drawing/2010/main" xmlns="" w="9525">
+                  <a14:hiddenLine xmlns="" xmlns:a14="http://schemas.microsoft.com/office/drawing/2010/main" w="9525">
                     <a:solidFill>
                       <a:srgbClr val="000000"/>
                     </a:solidFill>
@@ -11454,7 +11454,7 @@
               </a:ln>
               <a:extLst>
                 <a:ext uri="{91240B29-F687-4f45-9708-019B960494DF}">
-                  <a14:hiddenLine xmlns:a14="http://schemas.microsoft.com/office/drawing/2010/main" xmlns="" w="9525">
+                  <a14:hiddenLine xmlns="" xmlns:a14="http://schemas.microsoft.com/office/drawing/2010/main" w="9525">
                     <a:solidFill>
                       <a:srgbClr val="000000"/>
                     </a:solidFill>
@@ -11522,7 +11522,7 @@
               </a:ln>
               <a:extLst>
                 <a:ext uri="{91240B29-F687-4f45-9708-019B960494DF}">
-                  <a14:hiddenLine xmlns:a14="http://schemas.microsoft.com/office/drawing/2010/main" xmlns="" w="9525">
+                  <a14:hiddenLine xmlns="" xmlns:a14="http://schemas.microsoft.com/office/drawing/2010/main" w="9525">
                     <a:solidFill>
                       <a:srgbClr val="000000"/>
                     </a:solidFill>
@@ -11612,7 +11612,7 @@
               </a:ln>
               <a:extLst>
                 <a:ext uri="{91240B29-F687-4f45-9708-019B960494DF}">
-                  <a14:hiddenLine xmlns:a14="http://schemas.microsoft.com/office/drawing/2010/main" xmlns="" w="9525">
+                  <a14:hiddenLine xmlns="" xmlns:a14="http://schemas.microsoft.com/office/drawing/2010/main" w="9525">
                     <a:solidFill>
                       <a:srgbClr val="000000"/>
                     </a:solidFill>
@@ -11680,7 +11680,7 @@
               </a:ln>
               <a:extLst>
                 <a:ext uri="{91240B29-F687-4f45-9708-019B960494DF}">
-                  <a14:hiddenLine xmlns:a14="http://schemas.microsoft.com/office/drawing/2010/main" xmlns="" w="9525">
+                  <a14:hiddenLine xmlns="" xmlns:a14="http://schemas.microsoft.com/office/drawing/2010/main" w="9525">
                     <a:solidFill>
                       <a:srgbClr val="000000"/>
                     </a:solidFill>
@@ -11770,7 +11770,7 @@
               </a:ln>
               <a:extLst>
                 <a:ext uri="{91240B29-F687-4f45-9708-019B960494DF}">
-                  <a14:hiddenLine xmlns:a14="http://schemas.microsoft.com/office/drawing/2010/main" xmlns="" w="9525">
+                  <a14:hiddenLine xmlns="" xmlns:a14="http://schemas.microsoft.com/office/drawing/2010/main" w="9525">
                     <a:solidFill>
                       <a:srgbClr val="000000"/>
                     </a:solidFill>
@@ -11804,7 +11804,7 @@
               </a:ln>
               <a:extLst>
                 <a:ext uri="{91240B29-F687-4f45-9708-019B960494DF}">
-                  <a14:hiddenLine xmlns:a14="http://schemas.microsoft.com/office/drawing/2010/main" xmlns="" w="9525">
+                  <a14:hiddenLine xmlns="" xmlns:a14="http://schemas.microsoft.com/office/drawing/2010/main" w="9525">
                     <a:solidFill>
                       <a:srgbClr val="000000"/>
                     </a:solidFill>
@@ -12949,7 +12949,7 @@
                 <a:effectLst/>
                 <a:latin typeface="-apple-system"/>
               </a:rPr>
-              <a:t>Hours estimated for remediation by SonarQube: </a:t>
+              <a:t>Hours estimated for remediation by SonarQube:1 </a:t>
             </a:r>
             <a:r>
               <a:rPr lang="en-US" dirty="0">
@@ -12986,7 +12986,7 @@
                 <a:effectLst/>
                 <a:latin typeface="-apple-system"/>
               </a:rPr>
-              <a:t>Hours estimated for remediation by SonarQube only for the selected and planned issues: h (only in New Code - Maintainability  - fixing code smells) </a:t>
+              <a:t>Hours estimated for remediation by SonarQube only for the selected and planned issues:1d1h30m h (only in New Code - Maintainability  - fixing code smells) </a:t>
             </a:r>
           </a:p>
           <a:p>
@@ -13000,7 +13000,7 @@
                 <a:effectLst/>
                 <a:latin typeface="-apple-system"/>
               </a:rPr>
-              <a:t>Hours spent on remediation: </a:t>
+              <a:t>Hours spent on remediation: 6h</a:t>
             </a:r>
           </a:p>
           <a:p>
@@ -13021,7 +13021,7 @@
                 <a:effectLst/>
                 <a:latin typeface="-apple-system"/>
               </a:rPr>
-              <a:t>ebt ratio (as reported by SonarQube under "Measures-Maintainability"): %</a:t>
+              <a:t>ebt ratio (as reported by SonarQube under "Measures-Maintainability"): 0.3%</a:t>
             </a:r>
             <a:endParaRPr lang="en-US" b="1" i="0" dirty="0">
               <a:solidFill>
@@ -13236,35 +13236,89 @@
             </a:r>
           </a:p>
           <a:p>
+            <a:pPr marL="457200" indent="-457200">
+              <a:buFont typeface="+mj-lt"/>
+              <a:buAutoNum type="arabicPeriod"/>
+            </a:pPr>
+            <a:r>
+              <a:rPr lang="en-US" sz="2000" b="0" i="0" dirty="0">
+                <a:solidFill>
+                  <a:schemeClr val="tx1">
+                    <a:lumMod val="85000"/>
+                  </a:schemeClr>
+                </a:solidFill>
+                <a:effectLst/>
+              </a:rPr>
+              <a:t>Visual design &amp; usability improvement proved really tough (especially making every page design consistent with the rest) so we overspent some hours for this task.</a:t>
+            </a:r>
+          </a:p>
+          <a:p>
+            <a:pPr marL="457200" indent="-457200">
+              <a:buFont typeface="+mj-lt"/>
+              <a:buAutoNum type="arabicPeriod"/>
+            </a:pPr>
+            <a:r>
+              <a:rPr lang="en-US" sz="2000" b="0" i="0" dirty="0">
+                <a:solidFill>
+                  <a:schemeClr val="tx1">
+                    <a:lumMod val="85000"/>
+                  </a:schemeClr>
+                </a:solidFill>
+                <a:effectLst/>
+              </a:rPr>
+              <a:t>API testing integration proved to be less difficult due to the repetitive nature of the API calls.</a:t>
+            </a:r>
+          </a:p>
+          <a:p>
+            <a:pPr marL="457200" indent="-457200">
+              <a:buFont typeface="+mj-lt"/>
+              <a:buAutoNum type="arabicPeriod"/>
+            </a:pPr>
+            <a:r>
+              <a:rPr lang="en-US" sz="2000" b="0" i="0" dirty="0">
+                <a:solidFill>
+                  <a:schemeClr val="tx1">
+                    <a:lumMod val="85000"/>
+                  </a:schemeClr>
+                </a:solidFill>
+                <a:effectLst/>
+              </a:rPr>
+              <a:t>The Story # (Disabled users) proved very difficult and by sacrificing time for it (still could not finish) we ended up with less time on the Story # (Unpicked food) and we completed none of the stories.</a:t>
+            </a:r>
+          </a:p>
+          <a:p>
+            <a:pPr marL="457200" indent="-457200">
+              <a:buFont typeface="+mj-lt"/>
+              <a:buAutoNum type="arabicPeriod"/>
+            </a:pPr>
+            <a:endParaRPr lang="en-US" sz="2000" b="0" i="0" dirty="0">
+              <a:solidFill>
+                <a:schemeClr val="tx1">
+                  <a:lumMod val="95000"/>
+                </a:schemeClr>
+              </a:solidFill>
+              <a:effectLst/>
+            </a:endParaRPr>
+          </a:p>
+          <a:p>
+            <a:pPr marL="457200" indent="-457200">
+              <a:buFont typeface="+mj-lt"/>
+              <a:buAutoNum type="arabicPeriod"/>
+            </a:pPr>
+            <a:endParaRPr lang="en-US" sz="2000" b="0" i="0" dirty="0">
+              <a:solidFill>
+                <a:schemeClr val="tx1">
+                  <a:lumMod val="95000"/>
+                </a:schemeClr>
+              </a:solidFill>
+              <a:effectLst/>
+            </a:endParaRPr>
+          </a:p>
+          <a:p>
             <a:pPr marL="457200" indent="-457200" algn="l">
               <a:buFont typeface="+mj-lt"/>
               <a:buAutoNum type="arabicPeriod"/>
             </a:pPr>
-            <a:r>
-              <a:rPr lang="en-US" sz="2000" b="0" i="0" dirty="0">
-                <a:solidFill>
-                  <a:srgbClr val="C9D1D9"/>
-                </a:solidFill>
-                <a:effectLst/>
-                <a:latin typeface="-apple-system"/>
-              </a:rPr>
-              <a:t>Reviewing globally the app and controlling that every story is correctly connected to the others</a:t>
-            </a:r>
-          </a:p>
-          <a:p>
-            <a:pPr marL="457200" indent="-457200" algn="l">
-              <a:buFont typeface="+mj-lt"/>
-              <a:buAutoNum type="arabicPeriod"/>
-            </a:pPr>
-            <a:r>
-              <a:rPr lang="en-US" sz="2000" dirty="0">
-                <a:solidFill>
-                  <a:srgbClr val="C9D1D9"/>
-                </a:solidFill>
-                <a:latin typeface="-apple-system"/>
-              </a:rPr>
-              <a:t>Making well-designed and responsive pages is not always a straight-forward process</a:t>
-            </a:r>
             <a:endParaRPr lang="en-US" sz="2000" b="0" i="0" dirty="0">
               <a:solidFill>
                 <a:srgbClr val="C9D1D9"/>
@@ -13556,48 +13610,69 @@
             </a:r>
           </a:p>
           <a:p>
-            <a:pPr marL="457200" indent="-457200" algn="l">
+            <a:pPr marL="457200" indent="-457200">
+              <a:buFont typeface="Arial" panose="020B0604020202020204" pitchFamily="34" charset="0"/>
               <a:buAutoNum type="arabicPeriod"/>
             </a:pPr>
             <a:r>
               <a:rPr lang="en-US" sz="2000" b="0" i="0" dirty="0">
                 <a:solidFill>
-                  <a:srgbClr val="C9D1D9"/>
+                  <a:schemeClr val="tx1">
+                    <a:lumMod val="85000"/>
+                  </a:schemeClr>
                 </a:solidFill>
                 <a:effectLst/>
-                <a:latin typeface="-apple-system"/>
               </a:rPr>
-              <a:t>We have cured more the design of our application and made all the pages responsive</a:t>
-            </a:r>
-          </a:p>
-          <a:p>
-            <a:pPr marL="457200" indent="-457200" algn="l">
+              <a:t>Design &amp; usability was very much improved.</a:t>
+            </a:r>
+          </a:p>
+          <a:p>
+            <a:pPr marL="457200" indent="-457200">
+              <a:buFont typeface="Arial" panose="020B0604020202020204" pitchFamily="34" charset="0"/>
               <a:buAutoNum type="arabicPeriod"/>
             </a:pPr>
             <a:r>
-              <a:rPr lang="en-US" sz="2000" dirty="0">
+              <a:rPr lang="en-US" sz="2000" b="0" i="0" dirty="0">
                 <a:solidFill>
-                  <a:srgbClr val="C9D1D9"/>
+                  <a:schemeClr val="tx1">
+                    <a:lumMod val="85000"/>
+                  </a:schemeClr>
                 </a:solidFill>
-                <a:latin typeface="-apple-system"/>
+                <a:effectLst/>
               </a:rPr>
-              <a:t>We have added to the readme file all the API calls and the corresponding explanations </a:t>
-            </a:r>
-          </a:p>
-          <a:p>
-            <a:pPr marL="457200" indent="-457200" algn="l">
+              <a:t>Different alerts and interactive buttons were placed throughout the app.</a:t>
+            </a:r>
+          </a:p>
+          <a:p>
+            <a:pPr marL="457200" indent="-457200">
+              <a:buFont typeface="Arial" panose="020B0604020202020204" pitchFamily="34" charset="0"/>
               <a:buAutoNum type="arabicPeriod"/>
             </a:pPr>
             <a:r>
               <a:rPr lang="en-US" sz="2000" b="0" i="0" dirty="0">
                 <a:solidFill>
-                  <a:srgbClr val="C9D1D9"/>
+                  <a:schemeClr val="tx1">
+                    <a:lumMod val="85000"/>
+                  </a:schemeClr>
                 </a:solidFill>
                 <a:effectLst/>
-                <a:latin typeface="-apple-system"/>
               </a:rPr>
-              <a:t>We have fixed most of the past and new issues and we have completed all the stories left from previous sprint</a:t>
-            </a:r>
+              <a:t>API test suite coverage went up from less than 50% to higher than 90%.</a:t>
+            </a:r>
+          </a:p>
+          <a:p>
+            <a:pPr marL="457200" indent="-457200">
+              <a:buFont typeface="Arial" panose="020B0604020202020204" pitchFamily="34" charset="0"/>
+              <a:buAutoNum type="arabicPeriod"/>
+            </a:pPr>
+            <a:endParaRPr lang="en-US" sz="2000" b="0" i="0" dirty="0">
+              <a:solidFill>
+                <a:schemeClr val="tx1">
+                  <a:lumMod val="95000"/>
+                </a:schemeClr>
+              </a:solidFill>
+              <a:effectLst/>
+            </a:endParaRPr>
           </a:p>
         </p:txBody>
       </p:sp>
@@ -13855,39 +13930,8 @@
             </a:r>
           </a:p>
           <a:p>
-            <a:pPr marL="457200" indent="-457200" algn="l">
-              <a:buAutoNum type="arabicPeriod"/>
-            </a:pPr>
-            <a:r>
-              <a:rPr lang="en-US" sz="2000" dirty="0">
-                <a:solidFill>
-                  <a:schemeClr val="tx1">
-                    <a:lumMod val="85000"/>
-                  </a:schemeClr>
-                </a:solidFill>
-                <a:latin typeface="-apple-system"/>
-              </a:rPr>
-              <a:t>We need to further improve the design and the usability of our application</a:t>
-            </a:r>
-          </a:p>
-          <a:p>
-            <a:pPr marL="457200" indent="-457200" algn="l">
-              <a:buAutoNum type="arabicPeriod"/>
-            </a:pPr>
-            <a:r>
-              <a:rPr lang="en-US" sz="2000" dirty="0">
-                <a:solidFill>
-                  <a:schemeClr val="tx1">
-                    <a:lumMod val="85000"/>
-                  </a:schemeClr>
-                </a:solidFill>
-                <a:latin typeface="-apple-system"/>
-              </a:rPr>
-              <a:t>We need to better show the state of our system by showing more meaningful alerts and messages to the user</a:t>
-            </a:r>
-          </a:p>
-          <a:p>
-            <a:pPr marL="457200" indent="-457200" algn="l">
+            <a:pPr marL="457200" indent="-457200">
+              <a:buFont typeface="Arial" panose="020B0604020202020204" pitchFamily="34" charset="0"/>
               <a:buAutoNum type="arabicPeriod"/>
             </a:pPr>
             <a:r>
@@ -13900,8 +13944,14 @@
                 <a:effectLst/>
                 <a:latin typeface="-apple-system"/>
               </a:rPr>
-              <a:t>W</a:t>
-            </a:r>
+              <a:t>We want to further improve the site design by making it more intuitive, using more icons and creating a very consistent design and work-flow in every page of the app.</a:t>
+            </a:r>
+          </a:p>
+          <a:p>
+            <a:pPr marL="457200" indent="-457200">
+              <a:buFont typeface="Arial" panose="020B0604020202020204" pitchFamily="34" charset="0"/>
+              <a:buAutoNum type="arabicPeriod"/>
+            </a:pPr>
             <a:r>
               <a:rPr lang="en-US" sz="2000" dirty="0">
                 <a:solidFill>
@@ -13911,8 +13961,58 @@
                 </a:solidFill>
                 <a:latin typeface="-apple-system"/>
               </a:rPr>
-              <a:t>e plan to increase the amount and granularity of our test suites to achieve a higher coverage and to discover bugs quicker</a:t>
-            </a:r>
+              <a:t> </a:t>
+            </a:r>
+            <a:r>
+              <a:rPr lang="en-US" sz="2000" b="0" i="0" dirty="0">
+                <a:solidFill>
+                  <a:schemeClr val="tx1">
+                    <a:lumMod val="85000"/>
+                  </a:schemeClr>
+                </a:solidFill>
+                <a:effectLst/>
+                <a:latin typeface="-apple-system"/>
+              </a:rPr>
+              <a:t>We should increase the documentation for each component that we create. In this way others can quickly edit and adapt components without breaking the app.</a:t>
+            </a:r>
+          </a:p>
+          <a:p>
+            <a:pPr marL="457200" indent="-457200">
+              <a:buFont typeface="Arial" panose="020B0604020202020204" pitchFamily="34" charset="0"/>
+              <a:buAutoNum type="arabicPeriod"/>
+            </a:pPr>
+            <a:r>
+              <a:rPr lang="en-US" sz="2000" b="0" i="0" dirty="0">
+                <a:solidFill>
+                  <a:schemeClr val="tx1">
+                    <a:lumMod val="85000"/>
+                  </a:schemeClr>
+                </a:solidFill>
+                <a:effectLst/>
+                <a:latin typeface="-apple-system"/>
+              </a:rPr>
+              <a:t>We should try to finish our tasks earlier so there is enough time to check that every new feature was correctly integrated.</a:t>
+            </a:r>
+          </a:p>
+          <a:p>
+            <a:pPr marL="457200" indent="-457200">
+              <a:buFont typeface="Arial" panose="020B0604020202020204" pitchFamily="34" charset="0"/>
+              <a:buAutoNum type="arabicPeriod"/>
+            </a:pPr>
+            <a:endParaRPr lang="en-US" sz="2000" b="0" i="0" dirty="0">
+              <a:solidFill>
+                <a:schemeClr val="tx1">
+                  <a:lumMod val="85000"/>
+                </a:schemeClr>
+              </a:solidFill>
+              <a:effectLst/>
+              <a:latin typeface="-apple-system"/>
+            </a:endParaRPr>
+          </a:p>
+          <a:p>
+            <a:pPr marL="457200" indent="-457200" algn="l">
+              <a:buAutoNum type="arabicPeriod"/>
+            </a:pPr>
             <a:endParaRPr lang="en-US" b="0" i="0" dirty="0">
               <a:solidFill>
                 <a:schemeClr val="tx1">
@@ -14041,18 +14141,21 @@
             </a:r>
           </a:p>
           <a:p>
-            <a:pPr marL="457200" indent="-457200" algn="l">
+            <a:pPr marL="457200" indent="-457200">
+              <a:buFont typeface="Arial" panose="020B0604020202020204" pitchFamily="34" charset="0"/>
               <a:buAutoNum type="arabicPeriod"/>
             </a:pPr>
             <a:r>
               <a:rPr lang="en-US" sz="2000" b="0" i="0" dirty="0">
                 <a:solidFill>
-                  <a:srgbClr val="C9D1D9"/>
+                  <a:schemeClr val="tx1">
+                    <a:lumMod val="85000"/>
+                  </a:schemeClr>
                 </a:solidFill>
                 <a:effectLst/>
                 <a:latin typeface="-apple-system"/>
               </a:rPr>
-              <a:t>Teamwork, as it was also the case in the previous two sprints, was awesome. We helped each other in solving problems and reviewing code from previously implemented stories</a:t>
+              <a:t>Cooperation! Every team member did their best to help in delivering a working app for the last sprint of the course.</a:t>
             </a:r>
           </a:p>
           <a:p>
@@ -14299,18 +14402,34 @@
               <a:t> </a:t>
             </a:r>
             <a:r>
-              <a:rPr lang="en-US" b="0" i="0" dirty="0">
+              <a:rPr lang="it-IT" b="0" i="0" dirty="0">
                 <a:solidFill>
-                  <a:srgbClr val="C9D1D9"/>
+                  <a:schemeClr val="tx1">
+                    <a:lumMod val="95000"/>
+                  </a:schemeClr>
                 </a:solidFill>
                 <a:effectLst/>
                 <a:latin typeface="-apple-system"/>
               </a:rPr>
-              <a:t>h </a:t>
+              <a:t>102h 30m</a:t>
+            </a:r>
+            <a:r>
+              <a:rPr lang="en-US" b="0" i="0" dirty="0">
+                <a:solidFill>
+                  <a:schemeClr val="tx1">
+                    <a:lumMod val="95000"/>
+                  </a:schemeClr>
+                </a:solidFill>
+                <a:effectLst/>
+                <a:latin typeface="-apple-system"/>
+              </a:rPr>
+              <a:t> </a:t>
             </a:r>
             <a:endParaRPr lang="en-US" dirty="0">
               <a:solidFill>
-                <a:srgbClr val="FF0000"/>
+                <a:schemeClr val="tx1">
+                  <a:lumMod val="95000"/>
+                </a:schemeClr>
               </a:solidFill>
               <a:latin typeface="-apple-system"/>
             </a:endParaRPr>
@@ -14453,8 +14572,26 @@
             </a:pPr>
             <a:r>
               <a:rPr lang="en-US" sz="2000" dirty="0"/>
-              <a:t>Estimated:  59.45h	→	Actual:	h</a:t>
-            </a:r>
+              <a:t>Estimated:  59.45h	→	Actual:	</a:t>
+            </a:r>
+            <a:r>
+              <a:rPr lang="it-IT" sz="2000" b="0" i="0" dirty="0">
+                <a:solidFill>
+                  <a:schemeClr val="tx1">
+                    <a:lumMod val="95000"/>
+                  </a:schemeClr>
+                </a:solidFill>
+                <a:effectLst/>
+              </a:rPr>
+              <a:t>63h 50m</a:t>
+            </a:r>
+            <a:endParaRPr lang="en-US" sz="2000" dirty="0">
+              <a:solidFill>
+                <a:schemeClr val="tx1">
+                  <a:lumMod val="95000"/>
+                </a:schemeClr>
+              </a:solidFill>
+            </a:endParaRPr>
           </a:p>
           <a:p>
             <a:r>
@@ -15748,8 +15885,30 @@
             </a:pPr>
             <a:r>
               <a:rPr lang="en-US" sz="2800" dirty="0"/>
-              <a:t>Average Hour per task :  (hours)/ 23(#tasks) = hours</a:t>
-            </a:r>
+              <a:t>Average Hour per task :</a:t>
+            </a:r>
+            <a:r>
+              <a:rPr lang="en-US" sz="2800" b="0" i="0" dirty="0">
+                <a:solidFill>
+                  <a:schemeClr val="tx1">
+                    <a:lumMod val="95000"/>
+                  </a:schemeClr>
+                </a:solidFill>
+                <a:effectLst/>
+              </a:rPr>
+              <a:t>102.5(hours)/23(#tasks)= 4.45 hours</a:t>
+            </a:r>
+            <a:r>
+              <a:rPr lang="en-US" sz="2000" b="0" i="0" dirty="0">
+                <a:solidFill>
+                  <a:srgbClr val="24292F"/>
+                </a:solidFill>
+                <a:effectLst/>
+                <a:latin typeface="-apple-system"/>
+              </a:rPr>
+              <a:t>;</a:t>
+            </a:r>
+            <a:endParaRPr lang="en-US" sz="2800" dirty="0"/>
           </a:p>
           <a:p>
             <a:pPr marL="860425" indent="-457200">
@@ -15759,7 +15918,7 @@
             </a:pPr>
             <a:r>
               <a:rPr lang="en-US" sz="2800" dirty="0"/>
-              <a:t>Standard deviation: </a:t>
+              <a:t>Standard deviation: 0.54</a:t>
             </a:r>
           </a:p>
           <a:p>
@@ -15770,7 +15929,7 @@
             </a:pPr>
             <a:r>
               <a:rPr lang="en-US" sz="2800" dirty="0"/>
-              <a:t>Total task estimation error ratio:</a:t>
+              <a:t>Total task estimation error ratio: 0.956</a:t>
             </a:r>
           </a:p>
           <a:p>
